--- a/OBJECT ORIENTED PROGRAMMING.pptx
+++ b/OBJECT ORIENTED PROGRAMMING.pptx
@@ -8,6 +8,8 @@
     <p:sldId id="257" r:id="rId2"/>
     <p:sldId id="258" r:id="rId3"/>
     <p:sldId id="259" r:id="rId4"/>
+    <p:sldId id="260" r:id="rId5"/>
+    <p:sldId id="261" r:id="rId6"/>
   </p:sldIdLst>
   <p:sldSz cx="12192000" cy="6858000"/>
   <p:notesSz cx="6858000" cy="9144000"/>
@@ -5851,7 +5853,7 @@
                 <a:ea typeface="Hack" panose="020B0609030202020204" pitchFamily="49" charset="0"/>
                 <a:cs typeface="Hack" panose="020B0609030202020204" pitchFamily="49" charset="0"/>
               </a:rPr>
-              <a:t>( KELEBIAHAN )</a:t>
+              <a:t>( KELEBIHAN )</a:t>
             </a:r>
             <a:endParaRPr lang="id-ID" dirty="0">
               <a:latin typeface="Bahnschrift" panose="020B0502040204020203" pitchFamily="34" charset="0"/>
@@ -6621,7 +6623,7 @@
               <a:rPr lang="en-US" noProof="1">
                 <a:latin typeface="Bahnschrift" panose="020B0502040204020203" pitchFamily="34" charset="0"/>
               </a:rPr>
-              <a:t>…..</a:t>
+              <a:t>. . . </a:t>
             </a:r>
           </a:p>
         </p:txBody>
@@ -6630,6 +6632,1157 @@
     <p:extLst>
       <p:ext uri="{BB962C8B-B14F-4D97-AF65-F5344CB8AC3E}">
         <p14:creationId xmlns:p14="http://schemas.microsoft.com/office/powerpoint/2010/main" val="4257722219"/>
+      </p:ext>
+    </p:extLst>
+  </p:cSld>
+  <p:clrMapOvr>
+    <a:masterClrMapping/>
+  </p:clrMapOvr>
+</p:sld>
+</file>
+
+<file path=ppt/slides/slide4.xml><?xml version="1.0" encoding="utf-8"?>
+<p:sld xmlns:a="http://schemas.openxmlformats.org/drawingml/2006/main" xmlns:r="http://schemas.openxmlformats.org/officeDocument/2006/relationships" xmlns:p="http://schemas.openxmlformats.org/presentationml/2006/main">
+  <p:cSld>
+    <p:spTree>
+      <p:nvGrpSpPr>
+        <p:cNvPr id="1" name=""/>
+        <p:cNvGrpSpPr/>
+        <p:nvPr/>
+      </p:nvGrpSpPr>
+      <p:grpSpPr>
+        <a:xfrm>
+          <a:off x="0" y="0"/>
+          <a:ext cx="0" cy="0"/>
+          <a:chOff x="0" y="0"/>
+          <a:chExt cx="0" cy="0"/>
+        </a:xfrm>
+      </p:grpSpPr>
+      <p:sp>
+        <p:nvSpPr>
+          <p:cNvPr id="8" name="Rectangle 7">
+            <a:extLst>
+              <a:ext uri="{FF2B5EF4-FFF2-40B4-BE49-F238E27FC236}">
+                <a16:creationId xmlns:a16="http://schemas.microsoft.com/office/drawing/2014/main" id="{77C8576D-5EB5-418C-AEC5-D99B7F49D4A6}"/>
+              </a:ext>
+            </a:extLst>
+          </p:cNvPr>
+          <p:cNvSpPr/>
+          <p:nvPr/>
+        </p:nvSpPr>
+        <p:spPr>
+          <a:xfrm>
+            <a:off x="0" y="0"/>
+            <a:ext cx="12192000" cy="6858000"/>
+          </a:xfrm>
+          <a:prstGeom prst="rect">
+            <a:avLst/>
+          </a:prstGeom>
+        </p:spPr>
+        <p:style>
+          <a:lnRef idx="2">
+            <a:schemeClr val="dk1">
+              <a:shade val="50000"/>
+            </a:schemeClr>
+          </a:lnRef>
+          <a:fillRef idx="1">
+            <a:schemeClr val="dk1"/>
+          </a:fillRef>
+          <a:effectRef idx="0">
+            <a:schemeClr val="dk1"/>
+          </a:effectRef>
+          <a:fontRef idx="minor">
+            <a:schemeClr val="lt1"/>
+          </a:fontRef>
+        </p:style>
+        <p:txBody>
+          <a:bodyPr rtlCol="0" anchor="ctr"/>
+          <a:lstStyle/>
+          <a:p>
+            <a:pPr algn="ctr"/>
+            <a:endParaRPr lang="id-ID"/>
+          </a:p>
+        </p:txBody>
+      </p:sp>
+      <p:sp>
+        <p:nvSpPr>
+          <p:cNvPr id="9" name="Title 1">
+            <a:extLst>
+              <a:ext uri="{FF2B5EF4-FFF2-40B4-BE49-F238E27FC236}">
+                <a16:creationId xmlns:a16="http://schemas.microsoft.com/office/drawing/2014/main" id="{395E9B59-3CD9-4A70-9A2C-A55EC7C6CBCB}"/>
+              </a:ext>
+            </a:extLst>
+          </p:cNvPr>
+          <p:cNvSpPr>
+            <a:spLocks noGrp="1"/>
+          </p:cNvSpPr>
+          <p:nvPr>
+            <p:ph type="title"/>
+          </p:nvPr>
+        </p:nvSpPr>
+        <p:spPr>
+          <a:xfrm>
+            <a:off x="913795" y="609600"/>
+            <a:ext cx="10353761" cy="1326321"/>
+          </a:xfrm>
+        </p:spPr>
+        <p:txBody>
+          <a:bodyPr>
+            <a:normAutofit/>
+          </a:bodyPr>
+          <a:lstStyle/>
+          <a:p>
+            <a:pPr>
+              <a:lnSpc>
+                <a:spcPct val="100000"/>
+              </a:lnSpc>
+            </a:pPr>
+            <a:r>
+              <a:rPr lang="id-ID" noProof="1">
+                <a:latin typeface="Bahnschrift" panose="020B0502040204020203" pitchFamily="34" charset="0"/>
+                <a:ea typeface="Hack" panose="020B0609030202020204" pitchFamily="49" charset="0"/>
+                <a:cs typeface="Hack" panose="020B0609030202020204" pitchFamily="49" charset="0"/>
+              </a:rPr>
+              <a:t>OBJECT ORIENTED PROGRAM</a:t>
+            </a:r>
+            <a:r>
+              <a:rPr lang="en-US" noProof="1">
+                <a:latin typeface="Bahnschrift" panose="020B0502040204020203" pitchFamily="34" charset="0"/>
+                <a:ea typeface="Hack" panose="020B0609030202020204" pitchFamily="49" charset="0"/>
+                <a:cs typeface="Hack" panose="020B0609030202020204" pitchFamily="49" charset="0"/>
+              </a:rPr>
+              <a:t>m</a:t>
+            </a:r>
+            <a:r>
+              <a:rPr lang="id-ID" noProof="1">
+                <a:latin typeface="Bahnschrift" panose="020B0502040204020203" pitchFamily="34" charset="0"/>
+                <a:ea typeface="Hack" panose="020B0609030202020204" pitchFamily="49" charset="0"/>
+                <a:cs typeface="Hack" panose="020B0609030202020204" pitchFamily="49" charset="0"/>
+              </a:rPr>
+              <a:t>ING</a:t>
+            </a:r>
+            <a:br>
+              <a:rPr lang="id-ID" noProof="1">
+                <a:latin typeface="Bahnschrift" panose="020B0502040204020203" pitchFamily="34" charset="0"/>
+                <a:ea typeface="Hack" panose="020B0609030202020204" pitchFamily="49" charset="0"/>
+                <a:cs typeface="Hack" panose="020B0609030202020204" pitchFamily="49" charset="0"/>
+              </a:rPr>
+            </a:br>
+            <a:r>
+              <a:rPr lang="id-ID" noProof="1">
+                <a:latin typeface="Bahnschrift" panose="020B0502040204020203" pitchFamily="34" charset="0"/>
+                <a:ea typeface="Hack" panose="020B0609030202020204" pitchFamily="49" charset="0"/>
+                <a:cs typeface="Hack" panose="020B0609030202020204" pitchFamily="49" charset="0"/>
+              </a:rPr>
+              <a:t>( </a:t>
+            </a:r>
+            <a:r>
+              <a:rPr lang="en-US" noProof="1">
+                <a:latin typeface="Bahnschrift" panose="020B0502040204020203" pitchFamily="34" charset="0"/>
+                <a:ea typeface="Hack" panose="020B0609030202020204" pitchFamily="49" charset="0"/>
+                <a:cs typeface="Hack" panose="020B0609030202020204" pitchFamily="49" charset="0"/>
+              </a:rPr>
+              <a:t>Class &amp; oBJECT </a:t>
+            </a:r>
+            <a:r>
+              <a:rPr lang="id-ID" noProof="1">
+                <a:latin typeface="Bahnschrift" panose="020B0502040204020203" pitchFamily="34" charset="0"/>
+                <a:ea typeface="Hack" panose="020B0609030202020204" pitchFamily="49" charset="0"/>
+                <a:cs typeface="Hack" panose="020B0609030202020204" pitchFamily="49" charset="0"/>
+              </a:rPr>
+              <a:t>)</a:t>
+            </a:r>
+          </a:p>
+        </p:txBody>
+      </p:sp>
+      <p:sp>
+        <p:nvSpPr>
+          <p:cNvPr id="10" name="Content Placeholder 2">
+            <a:extLst>
+              <a:ext uri="{FF2B5EF4-FFF2-40B4-BE49-F238E27FC236}">
+                <a16:creationId xmlns:a16="http://schemas.microsoft.com/office/drawing/2014/main" id="{43690B07-AF41-4FD0-94DD-FD4492577E22}"/>
+              </a:ext>
+            </a:extLst>
+          </p:cNvPr>
+          <p:cNvSpPr>
+            <a:spLocks noGrp="1"/>
+          </p:cNvSpPr>
+          <p:nvPr>
+            <p:ph idx="1"/>
+          </p:nvPr>
+        </p:nvSpPr>
+        <p:spPr>
+          <a:xfrm>
+            <a:off x="913795" y="2096064"/>
+            <a:ext cx="5182205" cy="3999936"/>
+          </a:xfrm>
+        </p:spPr>
+        <p:txBody>
+          <a:bodyPr>
+            <a:normAutofit fontScale="70000" lnSpcReduction="20000"/>
+          </a:bodyPr>
+          <a:lstStyle/>
+          <a:p>
+            <a:pPr marL="0" indent="0">
+              <a:buNone/>
+            </a:pPr>
+            <a:r>
+              <a:rPr lang="en-US" noProof="1">
+                <a:latin typeface="Bahnschrift" panose="020B0502040204020203" pitchFamily="34" charset="0"/>
+              </a:rPr>
+              <a:t># CLASS</a:t>
+            </a:r>
+          </a:p>
+          <a:p>
+            <a:pPr marL="457200" indent="-457200">
+              <a:buFont typeface="+mj-lt"/>
+              <a:buAutoNum type="arabicPeriod"/>
+            </a:pPr>
+            <a:r>
+              <a:rPr lang="en-US" noProof="1">
+                <a:latin typeface="Bahnschrift" panose="020B0502040204020203" pitchFamily="34" charset="0"/>
+              </a:rPr>
+              <a:t>Blueprint / Template untuk membuat </a:t>
+            </a:r>
+            <a:r>
+              <a:rPr lang="en-US" i="1" noProof="1">
+                <a:latin typeface="Bahnschrift" panose="020B0502040204020203" pitchFamily="34" charset="0"/>
+              </a:rPr>
+              <a:t>instance</a:t>
+            </a:r>
+            <a:r>
+              <a:rPr lang="en-US" noProof="1">
+                <a:latin typeface="Bahnschrift" panose="020B0502040204020203" pitchFamily="34" charset="0"/>
+              </a:rPr>
+              <a:t> dari object </a:t>
+            </a:r>
+          </a:p>
+          <a:p>
+            <a:pPr marL="457200" indent="-457200">
+              <a:buFont typeface="+mj-lt"/>
+              <a:buAutoNum type="arabicPeriod"/>
+            </a:pPr>
+            <a:r>
+              <a:rPr lang="en-US" noProof="1">
+                <a:latin typeface="Bahnschrift" panose="020B0502040204020203" pitchFamily="34" charset="0"/>
+              </a:rPr>
+              <a:t>Instansiasi berfungsi untuk mengubah class menjadi object</a:t>
+            </a:r>
+          </a:p>
+          <a:p>
+            <a:pPr marL="457200" indent="-457200">
+              <a:buFont typeface="+mj-lt"/>
+              <a:buAutoNum type="arabicPeriod"/>
+            </a:pPr>
+            <a:r>
+              <a:rPr lang="en-US" noProof="1">
+                <a:latin typeface="Bahnschrift" panose="020B0502040204020203" pitchFamily="34" charset="0"/>
+              </a:rPr>
+              <a:t>Class adalah kumpulan dari object object</a:t>
+            </a:r>
+          </a:p>
+          <a:p>
+            <a:pPr marL="457200" indent="-457200">
+              <a:buFont typeface="+mj-lt"/>
+              <a:buAutoNum type="arabicPeriod"/>
+            </a:pPr>
+            <a:r>
+              <a:rPr lang="en-US" noProof="1">
+                <a:latin typeface="Bahnschrift" panose="020B0502040204020203" pitchFamily="34" charset="0"/>
+              </a:rPr>
+              <a:t>Class Mendefinisikan object</a:t>
+            </a:r>
+          </a:p>
+          <a:p>
+            <a:pPr marL="457200" indent="-457200">
+              <a:buFont typeface="+mj-lt"/>
+              <a:buAutoNum type="arabicPeriod"/>
+            </a:pPr>
+            <a:r>
+              <a:rPr lang="en-US" noProof="1">
+                <a:latin typeface="Bahnschrift" panose="020B0502040204020203" pitchFamily="34" charset="0"/>
+              </a:rPr>
+              <a:t>Class menyimpan data dan prilaku atau disebut dengan property dan method</a:t>
+            </a:r>
+          </a:p>
+          <a:p>
+            <a:pPr marL="457200" indent="-457200">
+              <a:buFont typeface="+mj-lt"/>
+              <a:buAutoNum type="arabicPeriod"/>
+            </a:pPr>
+            <a:r>
+              <a:rPr lang="en-US" noProof="1">
+                <a:latin typeface="Bahnschrift" panose="020B0502040204020203" pitchFamily="34" charset="0"/>
+              </a:rPr>
+              <a:t>Kebiasaan programmer C++, nama class ditulis menggunakan PascalCase atau UpperCamelCase, dimana setiap kata diawali dengan hurup besar, termasuk huruf pertama</a:t>
+            </a:r>
+          </a:p>
+        </p:txBody>
+      </p:sp>
+      <p:sp>
+        <p:nvSpPr>
+          <p:cNvPr id="5" name="Content Placeholder 2">
+            <a:extLst>
+              <a:ext uri="{FF2B5EF4-FFF2-40B4-BE49-F238E27FC236}">
+                <a16:creationId xmlns:a16="http://schemas.microsoft.com/office/drawing/2014/main" id="{64B26EC2-6DE4-49BD-B222-FE54F35EDBD1}"/>
+              </a:ext>
+            </a:extLst>
+          </p:cNvPr>
+          <p:cNvSpPr txBox="1">
+            <a:spLocks/>
+          </p:cNvSpPr>
+          <p:nvPr/>
+        </p:nvSpPr>
+        <p:spPr>
+          <a:xfrm>
+            <a:off x="6506515" y="2098285"/>
+            <a:ext cx="5182205" cy="3999936"/>
+          </a:xfrm>
+          <a:prstGeom prst="rect">
+            <a:avLst/>
+          </a:prstGeom>
+        </p:spPr>
+        <p:txBody>
+          <a:bodyPr vert="horz" lIns="91440" tIns="45720" rIns="91440" bIns="45720" rtlCol="0">
+            <a:normAutofit/>
+          </a:bodyPr>
+          <a:lstStyle>
+            <a:lvl1pPr marL="228600" indent="-228600" algn="l" defTabSz="914400" rtl="0" eaLnBrk="1" latinLnBrk="0" hangingPunct="1">
+              <a:lnSpc>
+                <a:spcPct val="120000"/>
+              </a:lnSpc>
+              <a:spcBef>
+                <a:spcPts val="1000"/>
+              </a:spcBef>
+              <a:buFont typeface="Arial" panose="020B0604020202020204" pitchFamily="34" charset="0"/>
+              <a:buChar char="•"/>
+              <a:defRPr sz="2000" kern="1200">
+                <a:solidFill>
+                  <a:schemeClr val="tx1"/>
+                </a:solidFill>
+                <a:effectLst>
+                  <a:outerShdw blurRad="50800" dist="38100" dir="2700000" algn="tl" rotWithShape="0">
+                    <a:srgbClr val="000000">
+                      <a:alpha val="48000"/>
+                    </a:srgbClr>
+                  </a:outerShdw>
+                </a:effectLst>
+                <a:latin typeface="+mn-lt"/>
+                <a:ea typeface="+mn-ea"/>
+                <a:cs typeface="+mn-cs"/>
+              </a:defRPr>
+            </a:lvl1pPr>
+            <a:lvl2pPr marL="685800" indent="-228600" algn="l" defTabSz="914400" rtl="0" eaLnBrk="1" latinLnBrk="0" hangingPunct="1">
+              <a:lnSpc>
+                <a:spcPct val="120000"/>
+              </a:lnSpc>
+              <a:spcBef>
+                <a:spcPts val="500"/>
+              </a:spcBef>
+              <a:buFont typeface="Arial" panose="020B0604020202020204" pitchFamily="34" charset="0"/>
+              <a:buChar char="•"/>
+              <a:defRPr sz="1800" kern="1200">
+                <a:solidFill>
+                  <a:schemeClr val="tx1"/>
+                </a:solidFill>
+                <a:effectLst>
+                  <a:outerShdw blurRad="50800" dist="38100" dir="2700000" algn="tl" rotWithShape="0">
+                    <a:srgbClr val="000000">
+                      <a:alpha val="48000"/>
+                    </a:srgbClr>
+                  </a:outerShdw>
+                </a:effectLst>
+                <a:latin typeface="+mn-lt"/>
+                <a:ea typeface="+mn-ea"/>
+                <a:cs typeface="+mn-cs"/>
+              </a:defRPr>
+            </a:lvl2pPr>
+            <a:lvl3pPr marL="1143000" indent="-228600" algn="l" defTabSz="914400" rtl="0" eaLnBrk="1" latinLnBrk="0" hangingPunct="1">
+              <a:lnSpc>
+                <a:spcPct val="120000"/>
+              </a:lnSpc>
+              <a:spcBef>
+                <a:spcPts val="500"/>
+              </a:spcBef>
+              <a:buFont typeface="Arial" panose="020B0604020202020204" pitchFamily="34" charset="0"/>
+              <a:buChar char="•"/>
+              <a:defRPr sz="1600" kern="1200">
+                <a:solidFill>
+                  <a:schemeClr val="tx1"/>
+                </a:solidFill>
+                <a:effectLst>
+                  <a:outerShdw blurRad="50800" dist="38100" dir="2700000" algn="tl" rotWithShape="0">
+                    <a:srgbClr val="000000">
+                      <a:alpha val="48000"/>
+                    </a:srgbClr>
+                  </a:outerShdw>
+                </a:effectLst>
+                <a:latin typeface="+mn-lt"/>
+                <a:ea typeface="+mn-ea"/>
+                <a:cs typeface="+mn-cs"/>
+              </a:defRPr>
+            </a:lvl3pPr>
+            <a:lvl4pPr marL="1600200" indent="-228600" algn="l" defTabSz="914400" rtl="0" eaLnBrk="1" latinLnBrk="0" hangingPunct="1">
+              <a:lnSpc>
+                <a:spcPct val="120000"/>
+              </a:lnSpc>
+              <a:spcBef>
+                <a:spcPts val="500"/>
+              </a:spcBef>
+              <a:buFont typeface="Arial" panose="020B0604020202020204" pitchFamily="34" charset="0"/>
+              <a:buChar char="•"/>
+              <a:defRPr sz="1400" kern="1200">
+                <a:solidFill>
+                  <a:schemeClr val="tx1"/>
+                </a:solidFill>
+                <a:effectLst>
+                  <a:outerShdw blurRad="50800" dist="38100" dir="2700000" algn="tl" rotWithShape="0">
+                    <a:srgbClr val="000000">
+                      <a:alpha val="48000"/>
+                    </a:srgbClr>
+                  </a:outerShdw>
+                </a:effectLst>
+                <a:latin typeface="+mn-lt"/>
+                <a:ea typeface="+mn-ea"/>
+                <a:cs typeface="+mn-cs"/>
+              </a:defRPr>
+            </a:lvl4pPr>
+            <a:lvl5pPr marL="2057400" indent="-228600" algn="l" defTabSz="914400" rtl="0" eaLnBrk="1" latinLnBrk="0" hangingPunct="1">
+              <a:lnSpc>
+                <a:spcPct val="120000"/>
+              </a:lnSpc>
+              <a:spcBef>
+                <a:spcPts val="500"/>
+              </a:spcBef>
+              <a:buFont typeface="Arial" panose="020B0604020202020204" pitchFamily="34" charset="0"/>
+              <a:buChar char="•"/>
+              <a:defRPr sz="1200" kern="1200">
+                <a:solidFill>
+                  <a:schemeClr val="tx1"/>
+                </a:solidFill>
+                <a:effectLst>
+                  <a:outerShdw blurRad="50800" dist="38100" dir="2700000" algn="tl" rotWithShape="0">
+                    <a:srgbClr val="000000">
+                      <a:alpha val="48000"/>
+                    </a:srgbClr>
+                  </a:outerShdw>
+                </a:effectLst>
+                <a:latin typeface="+mn-lt"/>
+                <a:ea typeface="+mn-ea"/>
+                <a:cs typeface="+mn-cs"/>
+              </a:defRPr>
+            </a:lvl5pPr>
+            <a:lvl6pPr marL="2514600" indent="-228600" algn="l" defTabSz="914400" rtl="0" eaLnBrk="1" latinLnBrk="0" hangingPunct="1">
+              <a:lnSpc>
+                <a:spcPct val="120000"/>
+              </a:lnSpc>
+              <a:spcBef>
+                <a:spcPts val="500"/>
+              </a:spcBef>
+              <a:buFont typeface="Arial" panose="020B0604020202020204" pitchFamily="34" charset="0"/>
+              <a:buChar char="•"/>
+              <a:defRPr sz="1200" kern="1200">
+                <a:solidFill>
+                  <a:schemeClr val="tx1"/>
+                </a:solidFill>
+                <a:effectLst>
+                  <a:outerShdw blurRad="50800" dist="38100" dir="2700000" algn="tl" rotWithShape="0">
+                    <a:srgbClr val="000000">
+                      <a:alpha val="48000"/>
+                    </a:srgbClr>
+                  </a:outerShdw>
+                </a:effectLst>
+                <a:latin typeface="+mn-lt"/>
+                <a:ea typeface="+mn-ea"/>
+                <a:cs typeface="+mn-cs"/>
+              </a:defRPr>
+            </a:lvl6pPr>
+            <a:lvl7pPr marL="2971800" indent="-228600" algn="l" defTabSz="914400" rtl="0" eaLnBrk="1" latinLnBrk="0" hangingPunct="1">
+              <a:lnSpc>
+                <a:spcPct val="120000"/>
+              </a:lnSpc>
+              <a:spcBef>
+                <a:spcPts val="500"/>
+              </a:spcBef>
+              <a:buFont typeface="Arial" panose="020B0604020202020204" pitchFamily="34" charset="0"/>
+              <a:buChar char="•"/>
+              <a:defRPr sz="1200" kern="1200">
+                <a:solidFill>
+                  <a:schemeClr val="tx1"/>
+                </a:solidFill>
+                <a:effectLst>
+                  <a:outerShdw blurRad="50800" dist="38100" dir="2700000" algn="tl" rotWithShape="0">
+                    <a:srgbClr val="000000">
+                      <a:alpha val="48000"/>
+                    </a:srgbClr>
+                  </a:outerShdw>
+                </a:effectLst>
+                <a:latin typeface="+mn-lt"/>
+                <a:ea typeface="+mn-ea"/>
+                <a:cs typeface="+mn-cs"/>
+              </a:defRPr>
+            </a:lvl7pPr>
+            <a:lvl8pPr marL="3429000" indent="-228600" algn="l" defTabSz="914400" rtl="0" eaLnBrk="1" latinLnBrk="0" hangingPunct="1">
+              <a:lnSpc>
+                <a:spcPct val="120000"/>
+              </a:lnSpc>
+              <a:spcBef>
+                <a:spcPts val="500"/>
+              </a:spcBef>
+              <a:buFont typeface="Arial" panose="020B0604020202020204" pitchFamily="34" charset="0"/>
+              <a:buChar char="•"/>
+              <a:defRPr sz="1200" kern="1200">
+                <a:solidFill>
+                  <a:schemeClr val="tx1"/>
+                </a:solidFill>
+                <a:effectLst>
+                  <a:outerShdw blurRad="50800" dist="38100" dir="2700000" algn="tl" rotWithShape="0">
+                    <a:srgbClr val="000000">
+                      <a:alpha val="48000"/>
+                    </a:srgbClr>
+                  </a:outerShdw>
+                </a:effectLst>
+                <a:latin typeface="+mn-lt"/>
+                <a:ea typeface="+mn-ea"/>
+                <a:cs typeface="+mn-cs"/>
+              </a:defRPr>
+            </a:lvl8pPr>
+            <a:lvl9pPr marL="3886200" indent="-228600" algn="l" defTabSz="914400" rtl="0" eaLnBrk="1" latinLnBrk="0" hangingPunct="1">
+              <a:lnSpc>
+                <a:spcPct val="120000"/>
+              </a:lnSpc>
+              <a:spcBef>
+                <a:spcPts val="500"/>
+              </a:spcBef>
+              <a:buFont typeface="Arial" panose="020B0604020202020204" pitchFamily="34" charset="0"/>
+              <a:buChar char="•"/>
+              <a:defRPr sz="1200" kern="1200">
+                <a:solidFill>
+                  <a:schemeClr val="tx1"/>
+                </a:solidFill>
+                <a:effectLst>
+                  <a:outerShdw blurRad="50800" dist="38100" dir="2700000" algn="tl" rotWithShape="0">
+                    <a:srgbClr val="000000">
+                      <a:alpha val="48000"/>
+                    </a:srgbClr>
+                  </a:outerShdw>
+                </a:effectLst>
+                <a:latin typeface="+mn-lt"/>
+                <a:ea typeface="+mn-ea"/>
+                <a:cs typeface="+mn-cs"/>
+              </a:defRPr>
+            </a:lvl9pPr>
+          </a:lstStyle>
+          <a:p>
+            <a:pPr marL="0" indent="0">
+              <a:buFont typeface="Arial" panose="020B0604020202020204" pitchFamily="34" charset="0"/>
+              <a:buNone/>
+            </a:pPr>
+            <a:r>
+              <a:rPr lang="en-US" noProof="1">
+                <a:latin typeface="Bahnschrift" panose="020B0502040204020203" pitchFamily="34" charset="0"/>
+              </a:rPr>
+              <a:t># OBJECT</a:t>
+            </a:r>
+          </a:p>
+          <a:p>
+            <a:pPr marL="457200" indent="-457200">
+              <a:buFont typeface="+mj-lt"/>
+              <a:buAutoNum type="arabicPeriod"/>
+            </a:pPr>
+            <a:r>
+              <a:rPr lang="en-US" noProof="1">
+                <a:latin typeface="Bahnschrift" panose="020B0502040204020203" pitchFamily="34" charset="0"/>
+              </a:rPr>
+              <a:t>Instance yang didefinisikan oleh class</a:t>
+            </a:r>
+          </a:p>
+          <a:p>
+            <a:pPr marL="457200" indent="-457200">
+              <a:buFont typeface="+mj-lt"/>
+              <a:buAutoNum type="arabicPeriod"/>
+            </a:pPr>
+            <a:r>
+              <a:rPr lang="en-US" noProof="1">
+                <a:latin typeface="Bahnschrift" panose="020B0502040204020203" pitchFamily="34" charset="0"/>
+              </a:rPr>
+              <a:t>Banyak object dapat dibuat menggunakan satu kelas</a:t>
+            </a:r>
+          </a:p>
+          <a:p>
+            <a:pPr marL="457200" indent="-457200">
+              <a:buFont typeface="+mj-lt"/>
+              <a:buAutoNum type="arabicPeriod"/>
+            </a:pPr>
+            <a:r>
+              <a:rPr lang="en-US" noProof="1">
+                <a:latin typeface="Bahnschrift" panose="020B0502040204020203" pitchFamily="34" charset="0"/>
+              </a:rPr>
+              <a:t>Object dibuat dengan menggunakan keyword </a:t>
+            </a:r>
+            <a:r>
+              <a:rPr lang="en-US" noProof="1">
+                <a:solidFill>
+                  <a:srgbClr val="00FF00"/>
+                </a:solidFill>
+                <a:latin typeface="Bahnschrift" panose="020B0502040204020203" pitchFamily="34" charset="0"/>
+              </a:rPr>
+              <a:t>new</a:t>
+            </a:r>
+          </a:p>
+        </p:txBody>
+      </p:sp>
+    </p:spTree>
+    <p:extLst>
+      <p:ext uri="{BB962C8B-B14F-4D97-AF65-F5344CB8AC3E}">
+        <p14:creationId xmlns:p14="http://schemas.microsoft.com/office/powerpoint/2010/main" val="3163571861"/>
+      </p:ext>
+    </p:extLst>
+  </p:cSld>
+  <p:clrMapOvr>
+    <a:masterClrMapping/>
+  </p:clrMapOvr>
+</p:sld>
+</file>
+
+<file path=ppt/slides/slide5.xml><?xml version="1.0" encoding="utf-8"?>
+<p:sld xmlns:a="http://schemas.openxmlformats.org/drawingml/2006/main" xmlns:r="http://schemas.openxmlformats.org/officeDocument/2006/relationships" xmlns:p="http://schemas.openxmlformats.org/presentationml/2006/main">
+  <p:cSld>
+    <p:spTree>
+      <p:nvGrpSpPr>
+        <p:cNvPr id="1" name=""/>
+        <p:cNvGrpSpPr/>
+        <p:nvPr/>
+      </p:nvGrpSpPr>
+      <p:grpSpPr>
+        <a:xfrm>
+          <a:off x="0" y="0"/>
+          <a:ext cx="0" cy="0"/>
+          <a:chOff x="0" y="0"/>
+          <a:chExt cx="0" cy="0"/>
+        </a:xfrm>
+      </p:grpSpPr>
+      <p:sp>
+        <p:nvSpPr>
+          <p:cNvPr id="8" name="Rectangle 7">
+            <a:extLst>
+              <a:ext uri="{FF2B5EF4-FFF2-40B4-BE49-F238E27FC236}">
+                <a16:creationId xmlns:a16="http://schemas.microsoft.com/office/drawing/2014/main" id="{77C8576D-5EB5-418C-AEC5-D99B7F49D4A6}"/>
+              </a:ext>
+            </a:extLst>
+          </p:cNvPr>
+          <p:cNvSpPr/>
+          <p:nvPr/>
+        </p:nvSpPr>
+        <p:spPr>
+          <a:xfrm>
+            <a:off x="0" y="0"/>
+            <a:ext cx="12192000" cy="6858000"/>
+          </a:xfrm>
+          <a:prstGeom prst="rect">
+            <a:avLst/>
+          </a:prstGeom>
+        </p:spPr>
+        <p:style>
+          <a:lnRef idx="2">
+            <a:schemeClr val="dk1">
+              <a:shade val="50000"/>
+            </a:schemeClr>
+          </a:lnRef>
+          <a:fillRef idx="1">
+            <a:schemeClr val="dk1"/>
+          </a:fillRef>
+          <a:effectRef idx="0">
+            <a:schemeClr val="dk1"/>
+          </a:effectRef>
+          <a:fontRef idx="minor">
+            <a:schemeClr val="lt1"/>
+          </a:fontRef>
+        </p:style>
+        <p:txBody>
+          <a:bodyPr rtlCol="0" anchor="ctr"/>
+          <a:lstStyle/>
+          <a:p>
+            <a:pPr algn="ctr"/>
+            <a:endParaRPr lang="id-ID"/>
+          </a:p>
+        </p:txBody>
+      </p:sp>
+      <p:sp>
+        <p:nvSpPr>
+          <p:cNvPr id="9" name="Title 1">
+            <a:extLst>
+              <a:ext uri="{FF2B5EF4-FFF2-40B4-BE49-F238E27FC236}">
+                <a16:creationId xmlns:a16="http://schemas.microsoft.com/office/drawing/2014/main" id="{395E9B59-3CD9-4A70-9A2C-A55EC7C6CBCB}"/>
+              </a:ext>
+            </a:extLst>
+          </p:cNvPr>
+          <p:cNvSpPr>
+            <a:spLocks noGrp="1"/>
+          </p:cNvSpPr>
+          <p:nvPr>
+            <p:ph type="title"/>
+          </p:nvPr>
+        </p:nvSpPr>
+        <p:spPr>
+          <a:xfrm>
+            <a:off x="913795" y="609600"/>
+            <a:ext cx="10353761" cy="1326321"/>
+          </a:xfrm>
+        </p:spPr>
+        <p:txBody>
+          <a:bodyPr>
+            <a:normAutofit/>
+          </a:bodyPr>
+          <a:lstStyle/>
+          <a:p>
+            <a:pPr>
+              <a:lnSpc>
+                <a:spcPct val="100000"/>
+              </a:lnSpc>
+            </a:pPr>
+            <a:r>
+              <a:rPr lang="id-ID" noProof="1">
+                <a:latin typeface="Bahnschrift" panose="020B0502040204020203" pitchFamily="34" charset="0"/>
+                <a:ea typeface="Hack" panose="020B0609030202020204" pitchFamily="49" charset="0"/>
+                <a:cs typeface="Hack" panose="020B0609030202020204" pitchFamily="49" charset="0"/>
+              </a:rPr>
+              <a:t>OBJECT ORIENTED PROGRAM</a:t>
+            </a:r>
+            <a:r>
+              <a:rPr lang="en-US" noProof="1">
+                <a:latin typeface="Bahnschrift" panose="020B0502040204020203" pitchFamily="34" charset="0"/>
+                <a:ea typeface="Hack" panose="020B0609030202020204" pitchFamily="49" charset="0"/>
+                <a:cs typeface="Hack" panose="020B0609030202020204" pitchFamily="49" charset="0"/>
+              </a:rPr>
+              <a:t>m</a:t>
+            </a:r>
+            <a:r>
+              <a:rPr lang="id-ID" noProof="1">
+                <a:latin typeface="Bahnschrift" panose="020B0502040204020203" pitchFamily="34" charset="0"/>
+                <a:ea typeface="Hack" panose="020B0609030202020204" pitchFamily="49" charset="0"/>
+                <a:cs typeface="Hack" panose="020B0609030202020204" pitchFamily="49" charset="0"/>
+              </a:rPr>
+              <a:t>ING</a:t>
+            </a:r>
+            <a:br>
+              <a:rPr lang="id-ID" noProof="1">
+                <a:latin typeface="Bahnschrift" panose="020B0502040204020203" pitchFamily="34" charset="0"/>
+                <a:ea typeface="Hack" panose="020B0609030202020204" pitchFamily="49" charset="0"/>
+                <a:cs typeface="Hack" panose="020B0609030202020204" pitchFamily="49" charset="0"/>
+              </a:rPr>
+            </a:br>
+            <a:r>
+              <a:rPr lang="id-ID" noProof="1">
+                <a:latin typeface="Bahnschrift" panose="020B0502040204020203" pitchFamily="34" charset="0"/>
+                <a:ea typeface="Hack" panose="020B0609030202020204" pitchFamily="49" charset="0"/>
+                <a:cs typeface="Hack" panose="020B0609030202020204" pitchFamily="49" charset="0"/>
+              </a:rPr>
+              <a:t>( </a:t>
+            </a:r>
+            <a:r>
+              <a:rPr lang="en-US" noProof="1">
+                <a:latin typeface="Bahnschrift" panose="020B0502040204020203" pitchFamily="34" charset="0"/>
+                <a:ea typeface="Hack" panose="020B0609030202020204" pitchFamily="49" charset="0"/>
+                <a:cs typeface="Hack" panose="020B0609030202020204" pitchFamily="49" charset="0"/>
+              </a:rPr>
+              <a:t>ProPERTY &amp; METHOD</a:t>
+            </a:r>
+            <a:r>
+              <a:rPr lang="id-ID" noProof="1">
+                <a:latin typeface="Bahnschrift" panose="020B0502040204020203" pitchFamily="34" charset="0"/>
+                <a:ea typeface="Hack" panose="020B0609030202020204" pitchFamily="49" charset="0"/>
+                <a:cs typeface="Hack" panose="020B0609030202020204" pitchFamily="49" charset="0"/>
+              </a:rPr>
+              <a:t>)</a:t>
+            </a:r>
+          </a:p>
+        </p:txBody>
+      </p:sp>
+      <p:sp>
+        <p:nvSpPr>
+          <p:cNvPr id="10" name="Content Placeholder 2">
+            <a:extLst>
+              <a:ext uri="{FF2B5EF4-FFF2-40B4-BE49-F238E27FC236}">
+                <a16:creationId xmlns:a16="http://schemas.microsoft.com/office/drawing/2014/main" id="{43690B07-AF41-4FD0-94DD-FD4492577E22}"/>
+              </a:ext>
+            </a:extLst>
+          </p:cNvPr>
+          <p:cNvSpPr>
+            <a:spLocks noGrp="1"/>
+          </p:cNvSpPr>
+          <p:nvPr>
+            <p:ph idx="1"/>
+          </p:nvPr>
+        </p:nvSpPr>
+        <p:spPr>
+          <a:xfrm>
+            <a:off x="913795" y="2096064"/>
+            <a:ext cx="5182205" cy="3999936"/>
+          </a:xfrm>
+        </p:spPr>
+        <p:txBody>
+          <a:bodyPr>
+            <a:normAutofit/>
+          </a:bodyPr>
+          <a:lstStyle/>
+          <a:p>
+            <a:pPr marL="0" indent="0">
+              <a:buNone/>
+            </a:pPr>
+            <a:r>
+              <a:rPr lang="en-US" noProof="1">
+                <a:latin typeface="Bahnschrift" panose="020B0502040204020203" pitchFamily="34" charset="0"/>
+              </a:rPr>
+              <a:t># PROPERTY</a:t>
+            </a:r>
+          </a:p>
+          <a:p>
+            <a:pPr marL="457200" indent="-457200">
+              <a:buFont typeface="+mj-lt"/>
+              <a:buAutoNum type="arabicPeriod"/>
+            </a:pPr>
+            <a:r>
+              <a:rPr lang="en-US" noProof="1">
+                <a:latin typeface="Bahnschrift" panose="020B0502040204020203" pitchFamily="34" charset="0"/>
+              </a:rPr>
+              <a:t>Merepresentasikan data/keadaan dari sebuah objek</a:t>
+            </a:r>
+          </a:p>
+          <a:p>
+            <a:pPr marL="457200" indent="-457200">
+              <a:buFont typeface="+mj-lt"/>
+              <a:buAutoNum type="arabicPeriod"/>
+            </a:pPr>
+            <a:r>
+              <a:rPr lang="en-US" noProof="1">
+                <a:latin typeface="Bahnschrift" panose="020B0502040204020203" pitchFamily="34" charset="0"/>
+              </a:rPr>
+              <a:t>Variabel yang ada di dalam objek (member variabel)</a:t>
+            </a:r>
+          </a:p>
+          <a:p>
+            <a:pPr marL="457200" indent="-457200">
+              <a:buFont typeface="+mj-lt"/>
+              <a:buAutoNum type="arabicPeriod"/>
+            </a:pPr>
+            <a:r>
+              <a:rPr lang="en-US" noProof="1">
+                <a:latin typeface="Bahnschrift" panose="020B0502040204020203" pitchFamily="34" charset="0"/>
+              </a:rPr>
+              <a:t>Sama seperti variabel di dalam PHP, ditambahkan dengan visibility di depannya</a:t>
+            </a:r>
+          </a:p>
+        </p:txBody>
+      </p:sp>
+      <p:sp>
+        <p:nvSpPr>
+          <p:cNvPr id="5" name="Content Placeholder 2">
+            <a:extLst>
+              <a:ext uri="{FF2B5EF4-FFF2-40B4-BE49-F238E27FC236}">
+                <a16:creationId xmlns:a16="http://schemas.microsoft.com/office/drawing/2014/main" id="{64B26EC2-6DE4-49BD-B222-FE54F35EDBD1}"/>
+              </a:ext>
+            </a:extLst>
+          </p:cNvPr>
+          <p:cNvSpPr txBox="1">
+            <a:spLocks/>
+          </p:cNvSpPr>
+          <p:nvPr/>
+        </p:nvSpPr>
+        <p:spPr>
+          <a:xfrm>
+            <a:off x="6506515" y="2098285"/>
+            <a:ext cx="5182205" cy="3999936"/>
+          </a:xfrm>
+          <a:prstGeom prst="rect">
+            <a:avLst/>
+          </a:prstGeom>
+        </p:spPr>
+        <p:txBody>
+          <a:bodyPr vert="horz" lIns="91440" tIns="45720" rIns="91440" bIns="45720" rtlCol="0">
+            <a:normAutofit/>
+          </a:bodyPr>
+          <a:lstStyle>
+            <a:lvl1pPr marL="228600" indent="-228600" algn="l" defTabSz="914400" rtl="0" eaLnBrk="1" latinLnBrk="0" hangingPunct="1">
+              <a:lnSpc>
+                <a:spcPct val="120000"/>
+              </a:lnSpc>
+              <a:spcBef>
+                <a:spcPts val="1000"/>
+              </a:spcBef>
+              <a:buFont typeface="Arial" panose="020B0604020202020204" pitchFamily="34" charset="0"/>
+              <a:buChar char="•"/>
+              <a:defRPr sz="2000" kern="1200">
+                <a:solidFill>
+                  <a:schemeClr val="tx1"/>
+                </a:solidFill>
+                <a:effectLst>
+                  <a:outerShdw blurRad="50800" dist="38100" dir="2700000" algn="tl" rotWithShape="0">
+                    <a:srgbClr val="000000">
+                      <a:alpha val="48000"/>
+                    </a:srgbClr>
+                  </a:outerShdw>
+                </a:effectLst>
+                <a:latin typeface="+mn-lt"/>
+                <a:ea typeface="+mn-ea"/>
+                <a:cs typeface="+mn-cs"/>
+              </a:defRPr>
+            </a:lvl1pPr>
+            <a:lvl2pPr marL="685800" indent="-228600" algn="l" defTabSz="914400" rtl="0" eaLnBrk="1" latinLnBrk="0" hangingPunct="1">
+              <a:lnSpc>
+                <a:spcPct val="120000"/>
+              </a:lnSpc>
+              <a:spcBef>
+                <a:spcPts val="500"/>
+              </a:spcBef>
+              <a:buFont typeface="Arial" panose="020B0604020202020204" pitchFamily="34" charset="0"/>
+              <a:buChar char="•"/>
+              <a:defRPr sz="1800" kern="1200">
+                <a:solidFill>
+                  <a:schemeClr val="tx1"/>
+                </a:solidFill>
+                <a:effectLst>
+                  <a:outerShdw blurRad="50800" dist="38100" dir="2700000" algn="tl" rotWithShape="0">
+                    <a:srgbClr val="000000">
+                      <a:alpha val="48000"/>
+                    </a:srgbClr>
+                  </a:outerShdw>
+                </a:effectLst>
+                <a:latin typeface="+mn-lt"/>
+                <a:ea typeface="+mn-ea"/>
+                <a:cs typeface="+mn-cs"/>
+              </a:defRPr>
+            </a:lvl2pPr>
+            <a:lvl3pPr marL="1143000" indent="-228600" algn="l" defTabSz="914400" rtl="0" eaLnBrk="1" latinLnBrk="0" hangingPunct="1">
+              <a:lnSpc>
+                <a:spcPct val="120000"/>
+              </a:lnSpc>
+              <a:spcBef>
+                <a:spcPts val="500"/>
+              </a:spcBef>
+              <a:buFont typeface="Arial" panose="020B0604020202020204" pitchFamily="34" charset="0"/>
+              <a:buChar char="•"/>
+              <a:defRPr sz="1600" kern="1200">
+                <a:solidFill>
+                  <a:schemeClr val="tx1"/>
+                </a:solidFill>
+                <a:effectLst>
+                  <a:outerShdw blurRad="50800" dist="38100" dir="2700000" algn="tl" rotWithShape="0">
+                    <a:srgbClr val="000000">
+                      <a:alpha val="48000"/>
+                    </a:srgbClr>
+                  </a:outerShdw>
+                </a:effectLst>
+                <a:latin typeface="+mn-lt"/>
+                <a:ea typeface="+mn-ea"/>
+                <a:cs typeface="+mn-cs"/>
+              </a:defRPr>
+            </a:lvl3pPr>
+            <a:lvl4pPr marL="1600200" indent="-228600" algn="l" defTabSz="914400" rtl="0" eaLnBrk="1" latinLnBrk="0" hangingPunct="1">
+              <a:lnSpc>
+                <a:spcPct val="120000"/>
+              </a:lnSpc>
+              <a:spcBef>
+                <a:spcPts val="500"/>
+              </a:spcBef>
+              <a:buFont typeface="Arial" panose="020B0604020202020204" pitchFamily="34" charset="0"/>
+              <a:buChar char="•"/>
+              <a:defRPr sz="1400" kern="1200">
+                <a:solidFill>
+                  <a:schemeClr val="tx1"/>
+                </a:solidFill>
+                <a:effectLst>
+                  <a:outerShdw blurRad="50800" dist="38100" dir="2700000" algn="tl" rotWithShape="0">
+                    <a:srgbClr val="000000">
+                      <a:alpha val="48000"/>
+                    </a:srgbClr>
+                  </a:outerShdw>
+                </a:effectLst>
+                <a:latin typeface="+mn-lt"/>
+                <a:ea typeface="+mn-ea"/>
+                <a:cs typeface="+mn-cs"/>
+              </a:defRPr>
+            </a:lvl4pPr>
+            <a:lvl5pPr marL="2057400" indent="-228600" algn="l" defTabSz="914400" rtl="0" eaLnBrk="1" latinLnBrk="0" hangingPunct="1">
+              <a:lnSpc>
+                <a:spcPct val="120000"/>
+              </a:lnSpc>
+              <a:spcBef>
+                <a:spcPts val="500"/>
+              </a:spcBef>
+              <a:buFont typeface="Arial" panose="020B0604020202020204" pitchFamily="34" charset="0"/>
+              <a:buChar char="•"/>
+              <a:defRPr sz="1200" kern="1200">
+                <a:solidFill>
+                  <a:schemeClr val="tx1"/>
+                </a:solidFill>
+                <a:effectLst>
+                  <a:outerShdw blurRad="50800" dist="38100" dir="2700000" algn="tl" rotWithShape="0">
+                    <a:srgbClr val="000000">
+                      <a:alpha val="48000"/>
+                    </a:srgbClr>
+                  </a:outerShdw>
+                </a:effectLst>
+                <a:latin typeface="+mn-lt"/>
+                <a:ea typeface="+mn-ea"/>
+                <a:cs typeface="+mn-cs"/>
+              </a:defRPr>
+            </a:lvl5pPr>
+            <a:lvl6pPr marL="2514600" indent="-228600" algn="l" defTabSz="914400" rtl="0" eaLnBrk="1" latinLnBrk="0" hangingPunct="1">
+              <a:lnSpc>
+                <a:spcPct val="120000"/>
+              </a:lnSpc>
+              <a:spcBef>
+                <a:spcPts val="500"/>
+              </a:spcBef>
+              <a:buFont typeface="Arial" panose="020B0604020202020204" pitchFamily="34" charset="0"/>
+              <a:buChar char="•"/>
+              <a:defRPr sz="1200" kern="1200">
+                <a:solidFill>
+                  <a:schemeClr val="tx1"/>
+                </a:solidFill>
+                <a:effectLst>
+                  <a:outerShdw blurRad="50800" dist="38100" dir="2700000" algn="tl" rotWithShape="0">
+                    <a:srgbClr val="000000">
+                      <a:alpha val="48000"/>
+                    </a:srgbClr>
+                  </a:outerShdw>
+                </a:effectLst>
+                <a:latin typeface="+mn-lt"/>
+                <a:ea typeface="+mn-ea"/>
+                <a:cs typeface="+mn-cs"/>
+              </a:defRPr>
+            </a:lvl6pPr>
+            <a:lvl7pPr marL="2971800" indent="-228600" algn="l" defTabSz="914400" rtl="0" eaLnBrk="1" latinLnBrk="0" hangingPunct="1">
+              <a:lnSpc>
+                <a:spcPct val="120000"/>
+              </a:lnSpc>
+              <a:spcBef>
+                <a:spcPts val="500"/>
+              </a:spcBef>
+              <a:buFont typeface="Arial" panose="020B0604020202020204" pitchFamily="34" charset="0"/>
+              <a:buChar char="•"/>
+              <a:defRPr sz="1200" kern="1200">
+                <a:solidFill>
+                  <a:schemeClr val="tx1"/>
+                </a:solidFill>
+                <a:effectLst>
+                  <a:outerShdw blurRad="50800" dist="38100" dir="2700000" algn="tl" rotWithShape="0">
+                    <a:srgbClr val="000000">
+                      <a:alpha val="48000"/>
+                    </a:srgbClr>
+                  </a:outerShdw>
+                </a:effectLst>
+                <a:latin typeface="+mn-lt"/>
+                <a:ea typeface="+mn-ea"/>
+                <a:cs typeface="+mn-cs"/>
+              </a:defRPr>
+            </a:lvl7pPr>
+            <a:lvl8pPr marL="3429000" indent="-228600" algn="l" defTabSz="914400" rtl="0" eaLnBrk="1" latinLnBrk="0" hangingPunct="1">
+              <a:lnSpc>
+                <a:spcPct val="120000"/>
+              </a:lnSpc>
+              <a:spcBef>
+                <a:spcPts val="500"/>
+              </a:spcBef>
+              <a:buFont typeface="Arial" panose="020B0604020202020204" pitchFamily="34" charset="0"/>
+              <a:buChar char="•"/>
+              <a:defRPr sz="1200" kern="1200">
+                <a:solidFill>
+                  <a:schemeClr val="tx1"/>
+                </a:solidFill>
+                <a:effectLst>
+                  <a:outerShdw blurRad="50800" dist="38100" dir="2700000" algn="tl" rotWithShape="0">
+                    <a:srgbClr val="000000">
+                      <a:alpha val="48000"/>
+                    </a:srgbClr>
+                  </a:outerShdw>
+                </a:effectLst>
+                <a:latin typeface="+mn-lt"/>
+                <a:ea typeface="+mn-ea"/>
+                <a:cs typeface="+mn-cs"/>
+              </a:defRPr>
+            </a:lvl8pPr>
+            <a:lvl9pPr marL="3886200" indent="-228600" algn="l" defTabSz="914400" rtl="0" eaLnBrk="1" latinLnBrk="0" hangingPunct="1">
+              <a:lnSpc>
+                <a:spcPct val="120000"/>
+              </a:lnSpc>
+              <a:spcBef>
+                <a:spcPts val="500"/>
+              </a:spcBef>
+              <a:buFont typeface="Arial" panose="020B0604020202020204" pitchFamily="34" charset="0"/>
+              <a:buChar char="•"/>
+              <a:defRPr sz="1200" kern="1200">
+                <a:solidFill>
+                  <a:schemeClr val="tx1"/>
+                </a:solidFill>
+                <a:effectLst>
+                  <a:outerShdw blurRad="50800" dist="38100" dir="2700000" algn="tl" rotWithShape="0">
+                    <a:srgbClr val="000000">
+                      <a:alpha val="48000"/>
+                    </a:srgbClr>
+                  </a:outerShdw>
+                </a:effectLst>
+                <a:latin typeface="+mn-lt"/>
+                <a:ea typeface="+mn-ea"/>
+                <a:cs typeface="+mn-cs"/>
+              </a:defRPr>
+            </a:lvl9pPr>
+          </a:lstStyle>
+          <a:p>
+            <a:pPr marL="0" indent="0">
+              <a:buFont typeface="Arial" panose="020B0604020202020204" pitchFamily="34" charset="0"/>
+              <a:buNone/>
+            </a:pPr>
+            <a:r>
+              <a:rPr lang="en-US" noProof="1">
+                <a:latin typeface="Bahnschrift" panose="020B0502040204020203" pitchFamily="34" charset="0"/>
+              </a:rPr>
+              <a:t># METHOD</a:t>
+            </a:r>
+          </a:p>
+          <a:p>
+            <a:pPr marL="457200" indent="-457200">
+              <a:buFont typeface="+mj-lt"/>
+              <a:buAutoNum type="arabicPeriod"/>
+            </a:pPr>
+            <a:r>
+              <a:rPr lang="en-US" noProof="1">
+                <a:latin typeface="Bahnschrift" panose="020B0502040204020203" pitchFamily="34" charset="0"/>
+              </a:rPr>
+              <a:t>Merepresentasikan prilaku dari sebuah objek</a:t>
+            </a:r>
+          </a:p>
+          <a:p>
+            <a:pPr marL="457200" indent="-457200">
+              <a:buFont typeface="+mj-lt"/>
+              <a:buAutoNum type="arabicPeriod"/>
+            </a:pPr>
+            <a:r>
+              <a:rPr lang="en-US" noProof="1">
+                <a:latin typeface="Bahnschrift" panose="020B0502040204020203" pitchFamily="34" charset="0"/>
+              </a:rPr>
+              <a:t>Function yang ada di dalam objek</a:t>
+            </a:r>
+          </a:p>
+          <a:p>
+            <a:pPr marL="457200" indent="-457200">
+              <a:buFont typeface="+mj-lt"/>
+              <a:buAutoNum type="arabicPeriod"/>
+            </a:pPr>
+            <a:r>
+              <a:rPr lang="en-US" noProof="1">
+                <a:latin typeface="Bahnschrift" panose="020B0502040204020203" pitchFamily="34" charset="0"/>
+              </a:rPr>
+              <a:t>Sama seperti function didalam PHP, ditambah dengan visibility di depannya</a:t>
+            </a:r>
+          </a:p>
+        </p:txBody>
+      </p:sp>
+    </p:spTree>
+    <p:extLst>
+      <p:ext uri="{BB962C8B-B14F-4D97-AF65-F5344CB8AC3E}">
+        <p14:creationId xmlns:p14="http://schemas.microsoft.com/office/powerpoint/2010/main" val="1121713222"/>
       </p:ext>
     </p:extLst>
   </p:cSld>
